--- a/Presentation.pptx
+++ b/Presentation.pptx
@@ -4464,7 +4464,7 @@
               <a:pPr>
                 <a:defRPr/>
               </a:pPr>
-              <a:t>15/07/2025</a:t>
+              <a:t>07/12/2025</a:t>
             </a:fld>
             <a:endParaRPr lang="en-GB" dirty="0"/>
           </a:p>
@@ -4683,7 +4683,7 @@
               <a:pPr>
                 <a:defRPr/>
               </a:pPr>
-              <a:t>15/07/2025</a:t>
+              <a:t>07/12/2025</a:t>
             </a:fld>
             <a:endParaRPr lang="en-GB"/>
           </a:p>
@@ -5283,7 +5283,7 @@
         <p:spPr/>
         <p:txBody>
           <a:bodyPr>
-            <a:normAutofit fontScale="92500" lnSpcReduction="10000"/>
+            <a:normAutofit lnSpcReduction="10000"/>
           </a:bodyPr>
           <a:lstStyle/>
           <a:p>
@@ -5869,7 +5869,7 @@
         <p:spPr/>
         <p:txBody>
           <a:bodyPr>
-            <a:normAutofit fontScale="92500" lnSpcReduction="10000"/>
+            <a:normAutofit/>
           </a:bodyPr>
           <a:lstStyle/>
           <a:p>
@@ -6492,7 +6492,7 @@
         <p:spPr/>
         <p:txBody>
           <a:bodyPr>
-            <a:normAutofit fontScale="85000" lnSpcReduction="20000"/>
+            <a:normAutofit fontScale="92500" lnSpcReduction="20000"/>
           </a:bodyPr>
           <a:lstStyle/>
           <a:p>
@@ -15633,39 +15633,23 @@
           <a:p>
             <a:pPr algn="ctr"/>
             <a:r>
-              <a:rPr lang="de-DE" sz="3600" b="1" dirty="0" err="1"/>
-              <a:t>Towards</a:t>
-            </a:r>
-            <a:r>
               <a:rPr lang="de-DE" sz="3600" b="1" dirty="0"/>
-              <a:t> </a:t>
-            </a:r>
-            <a:r>
-              <a:rPr lang="de-DE" sz="3600" b="1" dirty="0" err="1"/>
-              <a:t>Better</a:t>
-            </a:r>
-            <a:r>
-              <a:rPr lang="de-DE" sz="3600" b="1" dirty="0"/>
-              <a:t> </a:t>
-            </a:r>
-            <a:r>
-              <a:rPr lang="de-DE" sz="3600" b="1" dirty="0" err="1"/>
-              <a:t>Answers</a:t>
+              <a:t>VRPTW Problem</a:t>
             </a:r>
             <a:br>
               <a:rPr lang="de-DE" sz="3600" b="1" dirty="0"/>
             </a:br>
             <a:r>
+              <a:rPr lang="de-DE" sz="2400" b="1" dirty="0"/>
+              <a:t>and </a:t>
+            </a:r>
+            <a:r>
               <a:rPr lang="de-DE" sz="2400" b="1" dirty="0" err="1"/>
-              <a:t>Automated</a:t>
+              <a:t>its</a:t>
             </a:r>
             <a:r>
               <a:rPr lang="de-DE" sz="2400" b="1" dirty="0"/>
-              <a:t> Stack Overflow Post </a:t>
-            </a:r>
-            <a:r>
-              <a:rPr lang="de-DE" sz="2400" b="1" dirty="0" err="1"/>
-              <a:t>Updating</a:t>
+              <a:t> Solver</a:t>
             </a:r>
             <a:endParaRPr lang="de-DE" sz="3600" b="1" dirty="0"/>
           </a:p>
@@ -15694,58 +15678,6 @@
             <a:pPr algn="ctr"/>
             <a:r>
               <a:rPr lang="de-DE" dirty="0"/>
-              <a:t>Origin Work: (</a:t>
-            </a:r>
-            <a:r>
-              <a:rPr lang="en-US" dirty="0">
-                <a:solidFill>
-                  <a:srgbClr val="000000"/>
-                </a:solidFill>
-                <a:effectLst/>
-                <a:latin typeface="Helvetica" pitchFamily="2" charset="0"/>
-              </a:rPr>
-              <a:t>2025 IEEE/ICSE</a:t>
-            </a:r>
-            <a:r>
-              <a:rPr lang="de-DE" dirty="0"/>
-              <a:t>)</a:t>
-            </a:r>
-            <a:r>
-              <a:rPr lang="en-US" dirty="0">
-                <a:solidFill>
-                  <a:srgbClr val="141413"/>
-                </a:solidFill>
-                <a:effectLst/>
-                <a:latin typeface="Helvetica" pitchFamily="2" charset="0"/>
-              </a:rPr>
-              <a:t>Yubo Mai, </a:t>
-            </a:r>
-            <a:r>
-              <a:rPr lang="en-US" dirty="0" err="1">
-                <a:solidFill>
-                  <a:srgbClr val="141413"/>
-                </a:solidFill>
-                <a:effectLst/>
-                <a:latin typeface="Helvetica" pitchFamily="2" charset="0"/>
-              </a:rPr>
-              <a:t>Zhipeng</a:t>
-            </a:r>
-            <a:r>
-              <a:rPr lang="en-US" dirty="0">
-                <a:solidFill>
-                  <a:srgbClr val="141413"/>
-                </a:solidFill>
-                <a:effectLst/>
-                <a:latin typeface="Helvetica" pitchFamily="2" charset="0"/>
-              </a:rPr>
-              <a:t> Gao etc.</a:t>
-            </a:r>
-            <a:endParaRPr lang="de-DE" dirty="0"/>
-          </a:p>
-          <a:p>
-            <a:pPr algn="ctr"/>
-            <a:r>
-              <a:rPr lang="de-DE" dirty="0"/>
               <a:t>Technische Universität München</a:t>
             </a:r>
           </a:p>
@@ -15761,7 +15693,15 @@
             </a:r>
             <a:r>
               <a:rPr lang="de-DE" b="1" i="1" dirty="0"/>
-              <a:t> Du</a:t>
+              <a:t> Du, </a:t>
+            </a:r>
+            <a:r>
+              <a:rPr lang="de-DE" b="1" i="1" dirty="0" err="1"/>
+              <a:t>Yiying</a:t>
+            </a:r>
+            <a:r>
+              <a:rPr lang="de-DE" b="1" i="1" dirty="0"/>
+              <a:t> Song</a:t>
             </a:r>
           </a:p>
         </p:txBody>
@@ -15833,53 +15773,6 @@
           </a:p>
         </p:txBody>
       </p:sp>
-      <p:pic>
-        <p:nvPicPr>
-          <p:cNvPr id="4" name="Picture 2">
-            <a:extLst>
-              <a:ext uri="{FF2B5EF4-FFF2-40B4-BE49-F238E27FC236}">
-                <a16:creationId xmlns:a16="http://schemas.microsoft.com/office/drawing/2014/main" id="{84A64DEA-D28F-A1BB-6494-D14C917D3AF3}"/>
-              </a:ext>
-            </a:extLst>
-          </p:cNvPr>
-          <p:cNvPicPr>
-            <a:picLocks noChangeAspect="1" noChangeArrowheads="1"/>
-          </p:cNvPicPr>
-          <p:nvPr/>
-        </p:nvPicPr>
-        <p:blipFill>
-          <a:blip r:embed="rId3">
-            <a:extLst>
-              <a:ext uri="{28A0092B-C50C-407E-A947-70E740481C1C}">
-                <a14:useLocalDpi xmlns:a14="http://schemas.microsoft.com/office/drawing/2010/main" val="0"/>
-              </a:ext>
-            </a:extLst>
-          </a:blip>
-          <a:srcRect/>
-          <a:stretch>
-            <a:fillRect/>
-          </a:stretch>
-        </p:blipFill>
-        <p:spPr bwMode="auto">
-          <a:xfrm>
-            <a:off x="1222315" y="1484312"/>
-            <a:ext cx="896563" cy="896563"/>
-          </a:xfrm>
-          <a:prstGeom prst="rect">
-            <a:avLst/>
-          </a:prstGeom>
-          <a:noFill/>
-          <a:extLst>
-            <a:ext uri="{909E8E84-426E-40DD-AFC4-6F175D3DCCD1}">
-              <a14:hiddenFill xmlns:a14="http://schemas.microsoft.com/office/drawing/2010/main">
-                <a:solidFill>
-                  <a:srgbClr val="FFFFFF"/>
-                </a:solidFill>
-              </a14:hiddenFill>
-            </a:ext>
-          </a:extLst>
-        </p:spPr>
-      </p:pic>
       <p:sp>
         <p:nvSpPr>
           <p:cNvPr id="8" name="Footer Placeholder 4">
@@ -15896,7 +15789,7 @@
         </p:nvSpPr>
         <p:spPr>
           <a:xfrm>
-            <a:off x="2394860" y="4922595"/>
+            <a:off x="2394860" y="4787044"/>
             <a:ext cx="4482901" cy="360210"/>
           </a:xfrm>
           <a:prstGeom prst="rect">
@@ -16032,7 +15925,7 @@
           </a:lstStyle>
           <a:p>
             <a:pPr algn="ctr"/>
-            <a:r>
+            <a:br>
               <a:rPr lang="en-US" sz="1000" dirty="0">
                 <a:solidFill>
                   <a:schemeClr val="bg1">
@@ -16040,7 +15933,16 @@
                   </a:schemeClr>
                 </a:solidFill>
               </a:rPr>
-              <a:t>Seminar AI Empowered Automated Software Engineering </a:t>
+            </a:br>
+            <a:r>
+              <a:rPr lang="en-US" sz="1000" dirty="0">
+                <a:solidFill>
+                  <a:schemeClr val="bg1">
+                    <a:lumMod val="85000"/>
+                  </a:schemeClr>
+                </a:solidFill>
+              </a:rPr>
+              <a:t>Algorithmic Decision Making: Metaheuristics and Decomposition in Practice</a:t>
             </a:r>
           </a:p>
         </p:txBody>
@@ -16256,7 +16158,7 @@
                 </a:solidFill>
               </a:rPr>
               <a:pPr/>
-              <a:t>7/15/25</a:t>
+              <a:t>12/7/25</a:t>
             </a:fld>
             <a:endParaRPr lang="en-US" sz="1000" dirty="0">
               <a:solidFill>
@@ -16268,6 +16170,53 @@
           </a:p>
         </p:txBody>
       </p:sp>
+      <p:pic>
+        <p:nvPicPr>
+          <p:cNvPr id="1026" name="Picture 2" descr="Cargo Vector Icon 15561448 Vector Art at Vecteezy">
+            <a:extLst>
+              <a:ext uri="{FF2B5EF4-FFF2-40B4-BE49-F238E27FC236}">
+                <a16:creationId xmlns:a16="http://schemas.microsoft.com/office/drawing/2014/main" id="{4C871E29-BDE4-AFF9-46EF-A2DE29EDF266}"/>
+              </a:ext>
+            </a:extLst>
+          </p:cNvPr>
+          <p:cNvPicPr>
+            <a:picLocks noChangeAspect="1" noChangeArrowheads="1"/>
+          </p:cNvPicPr>
+          <p:nvPr/>
+        </p:nvPicPr>
+        <p:blipFill>
+          <a:blip r:embed="rId3">
+            <a:extLst>
+              <a:ext uri="{28A0092B-C50C-407E-A947-70E740481C1C}">
+                <a14:useLocalDpi xmlns:a14="http://schemas.microsoft.com/office/drawing/2010/main" val="0"/>
+              </a:ext>
+            </a:extLst>
+          </a:blip>
+          <a:srcRect/>
+          <a:stretch>
+            <a:fillRect/>
+          </a:stretch>
+        </p:blipFill>
+        <p:spPr bwMode="auto">
+          <a:xfrm>
+            <a:off x="2043835" y="1639614"/>
+            <a:ext cx="702050" cy="531334"/>
+          </a:xfrm>
+          <a:prstGeom prst="rect">
+            <a:avLst/>
+          </a:prstGeom>
+          <a:noFill/>
+          <a:extLst>
+            <a:ext uri="{909E8E84-426E-40DD-AFC4-6F175D3DCCD1}">
+              <a14:hiddenFill xmlns:a14="http://schemas.microsoft.com/office/drawing/2010/main">
+                <a:solidFill>
+                  <a:srgbClr val="FFFFFF"/>
+                </a:solidFill>
+              </a14:hiddenFill>
+            </a:ext>
+          </a:extLst>
+        </p:spPr>
+      </p:pic>
     </p:spTree>
   </p:cSld>
   <p:clrMapOvr>
@@ -19593,7 +19542,7 @@
                 </a:solidFill>
               </a:rPr>
               <a:pPr/>
-              <a:t>7/15/25</a:t>
+              <a:t>12/7/25</a:t>
             </a:fld>
             <a:endParaRPr lang="en-US" sz="1000" dirty="0">
               <a:solidFill>
@@ -19607,10 +19556,10 @@
       </p:sp>
       <p:sp>
         <p:nvSpPr>
-          <p:cNvPr id="87" name="Footer Placeholder 4">
+          <p:cNvPr id="2" name="Footer Placeholder 4">
             <a:extLst>
               <a:ext uri="{FF2B5EF4-FFF2-40B4-BE49-F238E27FC236}">
-                <a16:creationId xmlns:a16="http://schemas.microsoft.com/office/drawing/2014/main" id="{A6CC2BEA-398A-3DB5-771E-B7EFB3956EFA}"/>
+                <a16:creationId xmlns:a16="http://schemas.microsoft.com/office/drawing/2014/main" id="{94C72867-CF4C-5042-C5D6-061668C0A998}"/>
               </a:ext>
             </a:extLst>
           </p:cNvPr>
@@ -19621,7 +19570,7 @@
         </p:nvSpPr>
         <p:spPr>
           <a:xfrm>
-            <a:off x="2394860" y="4922595"/>
+            <a:off x="2394860" y="4787044"/>
             <a:ext cx="4482901" cy="360210"/>
           </a:xfrm>
           <a:prstGeom prst="rect">
@@ -19757,7 +19706,7 @@
           </a:lstStyle>
           <a:p>
             <a:pPr algn="ctr"/>
-            <a:r>
+            <a:br>
               <a:rPr lang="en-US" sz="1000" dirty="0">
                 <a:solidFill>
                   <a:schemeClr val="bg1">
@@ -19765,7 +19714,16 @@
                   </a:schemeClr>
                 </a:solidFill>
               </a:rPr>
-              <a:t>Seminar AI Empowered Automated Software Engineering </a:t>
+            </a:br>
+            <a:r>
+              <a:rPr lang="en-US" sz="1000" dirty="0">
+                <a:solidFill>
+                  <a:schemeClr val="bg1">
+                    <a:lumMod val="85000"/>
+                  </a:schemeClr>
+                </a:solidFill>
+              </a:rPr>
+              <a:t>Algorithmic Decision Making: Metaheuristics and Decomposition in Practice</a:t>
             </a:r>
           </a:p>
         </p:txBody>
@@ -22102,7 +22060,7 @@
                 </a:solidFill>
               </a:rPr>
               <a:pPr/>
-              <a:t>7/15/25</a:t>
+              <a:t>12/7/25</a:t>
             </a:fld>
             <a:endParaRPr lang="en-US" sz="1000" dirty="0">
               <a:solidFill>
@@ -22116,10 +22074,10 @@
       </p:sp>
       <p:sp>
         <p:nvSpPr>
-          <p:cNvPr id="50" name="Footer Placeholder 4">
+          <p:cNvPr id="2" name="Footer Placeholder 4">
             <a:extLst>
               <a:ext uri="{FF2B5EF4-FFF2-40B4-BE49-F238E27FC236}">
-                <a16:creationId xmlns:a16="http://schemas.microsoft.com/office/drawing/2014/main" id="{67356B99-5661-B6B7-87A1-EF17CB2CF078}"/>
+                <a16:creationId xmlns:a16="http://schemas.microsoft.com/office/drawing/2014/main" id="{12D42E42-0979-268A-B5FB-0EFCEF88D584}"/>
               </a:ext>
             </a:extLst>
           </p:cNvPr>
@@ -22130,7 +22088,7 @@
         </p:nvSpPr>
         <p:spPr>
           <a:xfrm>
-            <a:off x="2394860" y="4922595"/>
+            <a:off x="2394860" y="4787044"/>
             <a:ext cx="4482901" cy="360210"/>
           </a:xfrm>
           <a:prstGeom prst="rect">
@@ -22266,7 +22224,7 @@
           </a:lstStyle>
           <a:p>
             <a:pPr algn="ctr"/>
-            <a:r>
+            <a:br>
               <a:rPr lang="en-US" sz="1000" dirty="0">
                 <a:solidFill>
                   <a:schemeClr val="bg1">
@@ -22274,7 +22232,16 @@
                   </a:schemeClr>
                 </a:solidFill>
               </a:rPr>
-              <a:t>Seminar AI Empowered Automated Software Engineering </a:t>
+            </a:br>
+            <a:r>
+              <a:rPr lang="en-US" sz="1000" dirty="0">
+                <a:solidFill>
+                  <a:schemeClr val="bg1">
+                    <a:lumMod val="85000"/>
+                  </a:schemeClr>
+                </a:solidFill>
+              </a:rPr>
+              <a:t>Algorithmic Decision Making: Metaheuristics and Decomposition in Practice</a:t>
             </a:r>
           </a:p>
         </p:txBody>
@@ -24143,7 +24110,7 @@
                 </a:solidFill>
               </a:rPr>
               <a:pPr/>
-              <a:t>7/15/25</a:t>
+              <a:t>12/7/25</a:t>
             </a:fld>
             <a:endParaRPr lang="en-US" sz="1000" dirty="0">
               <a:solidFill>
@@ -24157,10 +24124,10 @@
       </p:sp>
       <p:sp>
         <p:nvSpPr>
-          <p:cNvPr id="56" name="Footer Placeholder 4">
+          <p:cNvPr id="2" name="Footer Placeholder 4">
             <a:extLst>
               <a:ext uri="{FF2B5EF4-FFF2-40B4-BE49-F238E27FC236}">
-                <a16:creationId xmlns:a16="http://schemas.microsoft.com/office/drawing/2014/main" id="{6890DAEC-0C0B-158D-66A6-87D68FD56D06}"/>
+                <a16:creationId xmlns:a16="http://schemas.microsoft.com/office/drawing/2014/main" id="{86AB095E-CCD0-1018-AACC-9ECD6D13CD63}"/>
               </a:ext>
             </a:extLst>
           </p:cNvPr>
@@ -24171,7 +24138,7 @@
         </p:nvSpPr>
         <p:spPr>
           <a:xfrm>
-            <a:off x="2394860" y="4922595"/>
+            <a:off x="2394860" y="4787044"/>
             <a:ext cx="4482901" cy="360210"/>
           </a:xfrm>
           <a:prstGeom prst="rect">
@@ -24307,7 +24274,7 @@
           </a:lstStyle>
           <a:p>
             <a:pPr algn="ctr"/>
-            <a:r>
+            <a:br>
               <a:rPr lang="en-US" sz="1000" dirty="0">
                 <a:solidFill>
                   <a:schemeClr val="bg1">
@@ -24315,7 +24282,16 @@
                   </a:schemeClr>
                 </a:solidFill>
               </a:rPr>
-              <a:t>Seminar AI Empowered Automated Software Engineering </a:t>
+            </a:br>
+            <a:r>
+              <a:rPr lang="en-US" sz="1000" dirty="0">
+                <a:solidFill>
+                  <a:schemeClr val="bg1">
+                    <a:lumMod val="85000"/>
+                  </a:schemeClr>
+                </a:solidFill>
+              </a:rPr>
+              <a:t>Algorithmic Decision Making: Metaheuristics and Decomposition in Practice</a:t>
             </a:r>
           </a:p>
         </p:txBody>
@@ -27199,7 +27175,7 @@
                 </a:solidFill>
               </a:rPr>
               <a:pPr/>
-              <a:t>7/15/25</a:t>
+              <a:t>12/7/25</a:t>
             </a:fld>
             <a:endParaRPr lang="en-US" sz="1000" dirty="0">
               <a:solidFill>
@@ -27213,10 +27189,10 @@
       </p:sp>
       <p:sp>
         <p:nvSpPr>
-          <p:cNvPr id="63" name="Footer Placeholder 4">
+          <p:cNvPr id="2" name="Footer Placeholder 4">
             <a:extLst>
               <a:ext uri="{FF2B5EF4-FFF2-40B4-BE49-F238E27FC236}">
-                <a16:creationId xmlns:a16="http://schemas.microsoft.com/office/drawing/2014/main" id="{E7D093EA-604D-4EC9-BFE8-DD96B2053109}"/>
+                <a16:creationId xmlns:a16="http://schemas.microsoft.com/office/drawing/2014/main" id="{750B0071-9B05-5403-1BF7-22C0FD87A7D0}"/>
               </a:ext>
             </a:extLst>
           </p:cNvPr>
@@ -27227,7 +27203,7 @@
         </p:nvSpPr>
         <p:spPr>
           <a:xfrm>
-            <a:off x="2394860" y="4922595"/>
+            <a:off x="2394860" y="4787044"/>
             <a:ext cx="4482901" cy="360210"/>
           </a:xfrm>
           <a:prstGeom prst="rect">
@@ -27363,7 +27339,7 @@
           </a:lstStyle>
           <a:p>
             <a:pPr algn="ctr"/>
-            <a:r>
+            <a:br>
               <a:rPr lang="en-US" sz="1000" dirty="0">
                 <a:solidFill>
                   <a:schemeClr val="bg1">
@@ -27371,7 +27347,16 @@
                   </a:schemeClr>
                 </a:solidFill>
               </a:rPr>
-              <a:t>Seminar AI Empowered Automated Software Engineering </a:t>
+            </a:br>
+            <a:r>
+              <a:rPr lang="en-US" sz="1000" dirty="0">
+                <a:solidFill>
+                  <a:schemeClr val="bg1">
+                    <a:lumMod val="85000"/>
+                  </a:schemeClr>
+                </a:solidFill>
+              </a:rPr>
+              <a:t>Algorithmic Decision Making: Metaheuristics and Decomposition in Practice</a:t>
             </a:r>
           </a:p>
         </p:txBody>
@@ -30240,7 +30225,7 @@
                 </a:solidFill>
               </a:rPr>
               <a:pPr/>
-              <a:t>7/15/25</a:t>
+              <a:t>12/7/25</a:t>
             </a:fld>
             <a:endParaRPr lang="en-US" sz="1000" dirty="0">
               <a:solidFill>
@@ -30254,10 +30239,10 @@
       </p:sp>
       <p:sp>
         <p:nvSpPr>
-          <p:cNvPr id="1029" name="Footer Placeholder 4">
+          <p:cNvPr id="2" name="Footer Placeholder 4">
             <a:extLst>
               <a:ext uri="{FF2B5EF4-FFF2-40B4-BE49-F238E27FC236}">
-                <a16:creationId xmlns:a16="http://schemas.microsoft.com/office/drawing/2014/main" id="{6D783C45-25D4-F137-72E8-3727E36D96A9}"/>
+                <a16:creationId xmlns:a16="http://schemas.microsoft.com/office/drawing/2014/main" id="{FF9D1CEB-D044-4DBA-A620-BB444DD0D70F}"/>
               </a:ext>
             </a:extLst>
           </p:cNvPr>
@@ -30268,7 +30253,7 @@
         </p:nvSpPr>
         <p:spPr>
           <a:xfrm>
-            <a:off x="2394860" y="4922595"/>
+            <a:off x="2394860" y="4787044"/>
             <a:ext cx="4482901" cy="360210"/>
           </a:xfrm>
           <a:prstGeom prst="rect">
@@ -30404,7 +30389,7 @@
           </a:lstStyle>
           <a:p>
             <a:pPr algn="ctr"/>
-            <a:r>
+            <a:br>
               <a:rPr lang="en-US" sz="1000" dirty="0">
                 <a:solidFill>
                   <a:schemeClr val="bg1">
@@ -30412,7 +30397,16 @@
                   </a:schemeClr>
                 </a:solidFill>
               </a:rPr>
-              <a:t>Seminar AI Empowered Automated Software Engineering </a:t>
+            </a:br>
+            <a:r>
+              <a:rPr lang="en-US" sz="1000" dirty="0">
+                <a:solidFill>
+                  <a:schemeClr val="bg1">
+                    <a:lumMod val="85000"/>
+                  </a:schemeClr>
+                </a:solidFill>
+              </a:rPr>
+              <a:t>Algorithmic Decision Making: Metaheuristics and Decomposition in Practice</a:t>
             </a:r>
           </a:p>
         </p:txBody>
@@ -31735,7 +31729,7 @@
                 </a:solidFill>
               </a:rPr>
               <a:pPr/>
-              <a:t>7/15/25</a:t>
+              <a:t>12/7/25</a:t>
             </a:fld>
             <a:endParaRPr lang="en-US" sz="1000" dirty="0">
               <a:solidFill>
@@ -31749,10 +31743,10 @@
       </p:sp>
       <p:sp>
         <p:nvSpPr>
-          <p:cNvPr id="8" name="Footer Placeholder 4">
+          <p:cNvPr id="5" name="Footer Placeholder 4">
             <a:extLst>
               <a:ext uri="{FF2B5EF4-FFF2-40B4-BE49-F238E27FC236}">
-                <a16:creationId xmlns:a16="http://schemas.microsoft.com/office/drawing/2014/main" id="{319F9098-1337-C83E-CE7F-AE22B5DB50AC}"/>
+                <a16:creationId xmlns:a16="http://schemas.microsoft.com/office/drawing/2014/main" id="{03354F8E-9483-1D15-8999-A671B8FD0211}"/>
               </a:ext>
             </a:extLst>
           </p:cNvPr>
@@ -31763,7 +31757,7 @@
         </p:nvSpPr>
         <p:spPr>
           <a:xfrm>
-            <a:off x="2394860" y="4922595"/>
+            <a:off x="2394860" y="4787044"/>
             <a:ext cx="4482901" cy="360210"/>
           </a:xfrm>
           <a:prstGeom prst="rect">
@@ -31899,7 +31893,7 @@
           </a:lstStyle>
           <a:p>
             <a:pPr algn="ctr"/>
-            <a:r>
+            <a:br>
               <a:rPr lang="en-US" sz="1000" dirty="0">
                 <a:solidFill>
                   <a:schemeClr val="bg1">
@@ -31907,7 +31901,16 @@
                   </a:schemeClr>
                 </a:solidFill>
               </a:rPr>
-              <a:t>Seminar AI Empowered Automated Software Engineering </a:t>
+            </a:br>
+            <a:r>
+              <a:rPr lang="en-US" sz="1000" dirty="0">
+                <a:solidFill>
+                  <a:schemeClr val="bg1">
+                    <a:lumMod val="85000"/>
+                  </a:schemeClr>
+                </a:solidFill>
+              </a:rPr>
+              <a:t>Algorithmic Decision Making: Metaheuristics and Decomposition in Practice</a:t>
             </a:r>
           </a:p>
         </p:txBody>
@@ -32846,7 +32849,7 @@
                 </a:solidFill>
               </a:rPr>
               <a:pPr/>
-              <a:t>7/15/25</a:t>
+              <a:t>12/7/25</a:t>
             </a:fld>
             <a:endParaRPr lang="en-US" sz="1000" dirty="0">
               <a:solidFill>
@@ -32860,10 +32863,10 @@
       </p:sp>
       <p:sp>
         <p:nvSpPr>
-          <p:cNvPr id="29" name="Footer Placeholder 4">
+          <p:cNvPr id="2" name="Footer Placeholder 4">
             <a:extLst>
               <a:ext uri="{FF2B5EF4-FFF2-40B4-BE49-F238E27FC236}">
-                <a16:creationId xmlns:a16="http://schemas.microsoft.com/office/drawing/2014/main" id="{2F7F1658-DC43-CDCE-7BDB-5ABF8E52BD6A}"/>
+                <a16:creationId xmlns:a16="http://schemas.microsoft.com/office/drawing/2014/main" id="{746608A5-05DB-10C2-B2DB-AFBCE220ECF2}"/>
               </a:ext>
             </a:extLst>
           </p:cNvPr>
@@ -32874,7 +32877,7 @@
         </p:nvSpPr>
         <p:spPr>
           <a:xfrm>
-            <a:off x="2394860" y="4922595"/>
+            <a:off x="2394860" y="4787044"/>
             <a:ext cx="4482901" cy="360210"/>
           </a:xfrm>
           <a:prstGeom prst="rect">
@@ -33010,7 +33013,7 @@
           </a:lstStyle>
           <a:p>
             <a:pPr algn="ctr"/>
-            <a:r>
+            <a:br>
               <a:rPr lang="en-US" sz="1000" dirty="0">
                 <a:solidFill>
                   <a:schemeClr val="bg1">
@@ -33018,7 +33021,16 @@
                   </a:schemeClr>
                 </a:solidFill>
               </a:rPr>
-              <a:t>Seminar AI Empowered Automated Software Engineering </a:t>
+            </a:br>
+            <a:r>
+              <a:rPr lang="en-US" sz="1000" dirty="0">
+                <a:solidFill>
+                  <a:schemeClr val="bg1">
+                    <a:lumMod val="85000"/>
+                  </a:schemeClr>
+                </a:solidFill>
+              </a:rPr>
+              <a:t>Algorithmic Decision Making: Metaheuristics and Decomposition in Practice</a:t>
             </a:r>
           </a:p>
         </p:txBody>
@@ -33717,13 +33729,13 @@
                 <a:buNone/>
               </a:pPr>
               <a:r>
-                <a:rPr lang="de-DE" sz="1900" kern="1200" baseline="0">
+                <a:rPr lang="de-DE" sz="1900" kern="1200" baseline="0" dirty="0">
                   <a:latin typeface="Arial" panose="020B0604020202020204" pitchFamily="34" charset="0"/>
                   <a:cs typeface="Arial" panose="020B0604020202020204" pitchFamily="34" charset="0"/>
                 </a:rPr>
                 <a:t>Investigation</a:t>
               </a:r>
-              <a:endParaRPr lang="en-US" sz="1900" kern="1200">
+              <a:endParaRPr lang="en-US" sz="1900" kern="1200" dirty="0">
                 <a:latin typeface="Arial" panose="020B0604020202020204" pitchFamily="34" charset="0"/>
                 <a:cs typeface="Arial" panose="020B0604020202020204" pitchFamily="34" charset="0"/>
               </a:endParaRPr>
@@ -34516,7 +34528,7 @@
                 </a:solidFill>
               </a:rPr>
               <a:pPr/>
-              <a:t>7/15/25</a:t>
+              <a:t>12/7/25</a:t>
             </a:fld>
             <a:endParaRPr lang="en-US" sz="1000" dirty="0">
               <a:solidFill>
@@ -34530,10 +34542,10 @@
       </p:sp>
       <p:sp>
         <p:nvSpPr>
-          <p:cNvPr id="70" name="Footer Placeholder 4">
+          <p:cNvPr id="2" name="Footer Placeholder 4">
             <a:extLst>
               <a:ext uri="{FF2B5EF4-FFF2-40B4-BE49-F238E27FC236}">
-                <a16:creationId xmlns:a16="http://schemas.microsoft.com/office/drawing/2014/main" id="{1731DABB-69D6-C591-CA51-332392E533E2}"/>
+                <a16:creationId xmlns:a16="http://schemas.microsoft.com/office/drawing/2014/main" id="{03CE8945-16A1-0240-F2EA-3DDBF0D3A9F9}"/>
               </a:ext>
             </a:extLst>
           </p:cNvPr>
@@ -34544,7 +34556,7 @@
         </p:nvSpPr>
         <p:spPr>
           <a:xfrm>
-            <a:off x="2394860" y="4922595"/>
+            <a:off x="2394860" y="4787044"/>
             <a:ext cx="4482901" cy="360210"/>
           </a:xfrm>
           <a:prstGeom prst="rect">
@@ -34680,7 +34692,7 @@
           </a:lstStyle>
           <a:p>
             <a:pPr algn="ctr"/>
-            <a:r>
+            <a:br>
               <a:rPr lang="en-US" sz="1000" dirty="0">
                 <a:solidFill>
                   <a:schemeClr val="bg1">
@@ -34688,7 +34700,16 @@
                   </a:schemeClr>
                 </a:solidFill>
               </a:rPr>
-              <a:t>Seminar AI Empowered Automated Software Engineering </a:t>
+            </a:br>
+            <a:r>
+              <a:rPr lang="en-US" sz="1000" dirty="0">
+                <a:solidFill>
+                  <a:schemeClr val="bg1">
+                    <a:lumMod val="85000"/>
+                  </a:schemeClr>
+                </a:solidFill>
+              </a:rPr>
+              <a:t>Algorithmic Decision Making: Metaheuristics and Decomposition in Practice</a:t>
             </a:r>
           </a:p>
         </p:txBody>
@@ -34970,7 +34991,7 @@
         </p:nvSpPr>
         <p:spPr>
           <a:xfrm>
-            <a:off x="6689841" y="1459455"/>
+            <a:off x="837282" y="1060062"/>
             <a:ext cx="1886719" cy="1828707"/>
           </a:xfrm>
         </p:spPr>
@@ -35096,680 +35117,6 @@
               <a:rPr lang="en-US" dirty="0"/>
               <a:t>Background</a:t>
             </a:r>
-          </a:p>
-        </p:txBody>
-      </p:sp>
-      <p:grpSp>
-        <p:nvGrpSpPr>
-          <p:cNvPr id="30" name="Group 29">
-            <a:extLst>
-              <a:ext uri="{FF2B5EF4-FFF2-40B4-BE49-F238E27FC236}">
-                <a16:creationId xmlns:a16="http://schemas.microsoft.com/office/drawing/2014/main" id="{CC14A568-BA44-BEC0-870F-0DA862811E34}"/>
-              </a:ext>
-            </a:extLst>
-          </p:cNvPr>
-          <p:cNvGrpSpPr/>
-          <p:nvPr/>
-        </p:nvGrpSpPr>
-        <p:grpSpPr>
-          <a:xfrm>
-            <a:off x="480646" y="1001338"/>
-            <a:ext cx="5558413" cy="3301598"/>
-            <a:chOff x="3585587" y="888542"/>
-            <a:chExt cx="5558413" cy="3301598"/>
-          </a:xfrm>
-        </p:grpSpPr>
-        <p:grpSp>
-          <p:nvGrpSpPr>
-            <p:cNvPr id="25" name="Group 24">
-              <a:extLst>
-                <a:ext uri="{FF2B5EF4-FFF2-40B4-BE49-F238E27FC236}">
-                  <a16:creationId xmlns:a16="http://schemas.microsoft.com/office/drawing/2014/main" id="{B589CC6D-9A7F-8B64-DC7E-6E6867497EA1}"/>
-                </a:ext>
-              </a:extLst>
-            </p:cNvPr>
-            <p:cNvGrpSpPr/>
-            <p:nvPr/>
-          </p:nvGrpSpPr>
-          <p:grpSpPr>
-            <a:xfrm>
-              <a:off x="3585587" y="888542"/>
-              <a:ext cx="5558413" cy="3301598"/>
-              <a:chOff x="3362151" y="252983"/>
-              <a:chExt cx="6033057" cy="3377075"/>
-            </a:xfrm>
-          </p:grpSpPr>
-          <p:pic>
-            <p:nvPicPr>
-              <p:cNvPr id="15" name="Graphic 14">
-                <a:extLst>
-                  <a:ext uri="{FF2B5EF4-FFF2-40B4-BE49-F238E27FC236}">
-                    <a16:creationId xmlns:a16="http://schemas.microsoft.com/office/drawing/2014/main" id="{2F5BDFFA-0740-E2AD-5954-3D16B5587340}"/>
-                  </a:ext>
-                </a:extLst>
-              </p:cNvPr>
-              <p:cNvPicPr>
-                <a:picLocks noChangeAspect="1"/>
-              </p:cNvPicPr>
-              <p:nvPr/>
-            </p:nvPicPr>
-            <p:blipFill>
-              <a:blip r:embed="rId3">
-                <a:extLst>
-                  <a:ext uri="{96DAC541-7B7A-43D3-8B79-37D633B846F1}">
-                    <asvg:svgBlip xmlns:asvg="http://schemas.microsoft.com/office/drawing/2016/SVG/main" r:embed="rId4"/>
-                  </a:ext>
-                </a:extLst>
-              </a:blip>
-              <a:stretch>
-                <a:fillRect/>
-              </a:stretch>
-            </p:blipFill>
-            <p:spPr>
-              <a:xfrm>
-                <a:off x="3880618" y="252983"/>
-                <a:ext cx="2959100" cy="590550"/>
-              </a:xfrm>
-              <a:prstGeom prst="rect">
-                <a:avLst/>
-              </a:prstGeom>
-            </p:spPr>
-          </p:pic>
-          <p:sp>
-            <p:nvSpPr>
-              <p:cNvPr id="16" name="TextBox 15">
-                <a:extLst>
-                  <a:ext uri="{FF2B5EF4-FFF2-40B4-BE49-F238E27FC236}">
-                    <a16:creationId xmlns:a16="http://schemas.microsoft.com/office/drawing/2014/main" id="{37C5F1D4-CF92-F574-DFEF-BFB41AC3B595}"/>
-                  </a:ext>
-                </a:extLst>
-              </p:cNvPr>
-              <p:cNvSpPr txBox="1"/>
-              <p:nvPr/>
-            </p:nvSpPr>
-            <p:spPr>
-              <a:xfrm>
-                <a:off x="3830237" y="1072200"/>
-                <a:ext cx="5564971" cy="193002"/>
-              </a:xfrm>
-              <a:prstGeom prst="rect">
-                <a:avLst/>
-              </a:prstGeom>
-              <a:noFill/>
-            </p:spPr>
-            <p:txBody>
-              <a:bodyPr wrap="square" lIns="0" tIns="0" rIns="0" bIns="0" rtlCol="0">
-                <a:spAutoFit/>
-              </a:bodyPr>
-              <a:lstStyle/>
-              <a:p>
-                <a:pPr>
-                  <a:lnSpc>
-                    <a:spcPct val="114000"/>
-                  </a:lnSpc>
-                </a:pPr>
-                <a:r>
-                  <a:rPr lang="en-US" sz="1200" dirty="0">
-                    <a:latin typeface="Arial" panose="020B0604020202020204" pitchFamily="34" charset="0"/>
-                    <a:cs typeface="Arial" panose="020B0604020202020204" pitchFamily="34" charset="0"/>
-                  </a:rPr>
-                  <a:t>Question Post: </a:t>
-                </a:r>
-                <a:r>
-                  <a:rPr lang="en-US" sz="1200" b="0" i="0" u="none" strike="noStrike" dirty="0">
-                    <a:solidFill>
-                      <a:srgbClr val="3B4045"/>
-                    </a:solidFill>
-                    <a:effectLst/>
-                    <a:latin typeface="Arial" panose="020B0604020202020204" pitchFamily="34" charset="0"/>
-                    <a:cs typeface="Arial" panose="020B0604020202020204" pitchFamily="34" charset="0"/>
-                    <a:hlinkClick r:id="rId5"/>
-                  </a:rPr>
-                  <a:t>Can you find all classes in a package using reflection?</a:t>
-                </a:r>
-                <a:endParaRPr lang="en-US" sz="1200" b="1" i="0" dirty="0">
-                  <a:solidFill>
-                    <a:srgbClr val="0C0D0E"/>
-                  </a:solidFill>
-                  <a:effectLst/>
-                  <a:latin typeface="Arial" panose="020B0604020202020204" pitchFamily="34" charset="0"/>
-                  <a:cs typeface="Arial" panose="020B0604020202020204" pitchFamily="34" charset="0"/>
-                </a:endParaRPr>
-              </a:p>
-            </p:txBody>
-          </p:sp>
-          <p:sp>
-            <p:nvSpPr>
-              <p:cNvPr id="18" name="TextBox 17">
-                <a:extLst>
-                  <a:ext uri="{FF2B5EF4-FFF2-40B4-BE49-F238E27FC236}">
-                    <a16:creationId xmlns:a16="http://schemas.microsoft.com/office/drawing/2014/main" id="{1D819232-F203-528F-A558-F4A959DEEB81}"/>
-                  </a:ext>
-                </a:extLst>
-              </p:cNvPr>
-              <p:cNvSpPr txBox="1"/>
-              <p:nvPr/>
-            </p:nvSpPr>
-            <p:spPr>
-              <a:xfrm>
-                <a:off x="3830237" y="1507811"/>
-                <a:ext cx="4662435" cy="336182"/>
-              </a:xfrm>
-              <a:prstGeom prst="rect">
-                <a:avLst/>
-              </a:prstGeom>
-              <a:noFill/>
-            </p:spPr>
-            <p:txBody>
-              <a:bodyPr wrap="square" lIns="0" tIns="0" rIns="0" bIns="0" rtlCol="0">
-                <a:spAutoFit/>
-              </a:bodyPr>
-              <a:lstStyle/>
-              <a:p>
-                <a:pPr>
-                  <a:lnSpc>
-                    <a:spcPct val="114000"/>
-                  </a:lnSpc>
-                </a:pPr>
-                <a:r>
-                  <a:rPr lang="en-US" sz="1000" dirty="0">
-                    <a:latin typeface="Arial" panose="020B0604020202020204" pitchFamily="34" charset="0"/>
-                    <a:cs typeface="Arial" panose="020B0604020202020204" pitchFamily="34" charset="0"/>
-                  </a:rPr>
-                  <a:t>Answer Post: Without using any extra libraries:</a:t>
-                </a:r>
-              </a:p>
-              <a:p>
-                <a:pPr>
-                  <a:lnSpc>
-                    <a:spcPct val="114000"/>
-                  </a:lnSpc>
-                </a:pPr>
-                <a:endParaRPr lang="en-US" sz="1000" dirty="0" err="1">
-                  <a:latin typeface="Arial" panose="020B0604020202020204" pitchFamily="34" charset="0"/>
-                  <a:cs typeface="Arial" panose="020B0604020202020204" pitchFamily="34" charset="0"/>
-                </a:endParaRPr>
-              </a:p>
-            </p:txBody>
-          </p:sp>
-          <p:pic>
-            <p:nvPicPr>
-              <p:cNvPr id="20" name="Picture 19">
-                <a:extLst>
-                  <a:ext uri="{FF2B5EF4-FFF2-40B4-BE49-F238E27FC236}">
-                    <a16:creationId xmlns:a16="http://schemas.microsoft.com/office/drawing/2014/main" id="{0EA29A39-67CD-5F39-B6A2-D469F8F95DBD}"/>
-                  </a:ext>
-                </a:extLst>
-              </p:cNvPr>
-              <p:cNvPicPr>
-                <a:picLocks noChangeAspect="1"/>
-              </p:cNvPicPr>
-              <p:nvPr/>
-            </p:nvPicPr>
-            <p:blipFill>
-              <a:blip r:embed="rId6"/>
-              <a:stretch>
-                <a:fillRect/>
-              </a:stretch>
-            </p:blipFill>
-            <p:spPr>
-              <a:xfrm>
-                <a:off x="3830237" y="1835468"/>
-                <a:ext cx="5130521" cy="843373"/>
-              </a:xfrm>
-              <a:prstGeom prst="rect">
-                <a:avLst/>
-              </a:prstGeom>
-            </p:spPr>
-          </p:pic>
-          <p:sp>
-            <p:nvSpPr>
-              <p:cNvPr id="21" name="TextBox 20">
-                <a:extLst>
-                  <a:ext uri="{FF2B5EF4-FFF2-40B4-BE49-F238E27FC236}">
-                    <a16:creationId xmlns:a16="http://schemas.microsoft.com/office/drawing/2014/main" id="{556DB550-2428-BF7B-653E-1AD4B88968DB}"/>
-                  </a:ext>
-                </a:extLst>
-              </p:cNvPr>
-              <p:cNvSpPr txBox="1"/>
-              <p:nvPr/>
-            </p:nvSpPr>
-            <p:spPr>
-              <a:xfrm>
-                <a:off x="3838469" y="2820834"/>
-                <a:ext cx="5130521" cy="343867"/>
-              </a:xfrm>
-              <a:prstGeom prst="rect">
-                <a:avLst/>
-              </a:prstGeom>
-              <a:noFill/>
-            </p:spPr>
-            <p:txBody>
-              <a:bodyPr wrap="square" lIns="0" tIns="0" rIns="0" bIns="0" rtlCol="0">
-                <a:spAutoFit/>
-              </a:bodyPr>
-              <a:lstStyle/>
-              <a:p>
-                <a:pPr>
-                  <a:lnSpc>
-                    <a:spcPct val="114000"/>
-                  </a:lnSpc>
-                </a:pPr>
-                <a:r>
-                  <a:rPr lang="en-US" sz="1000" dirty="0">
-                    <a:latin typeface="Arial" panose="020B0604020202020204" pitchFamily="34" charset="0"/>
-                    <a:cs typeface="Arial" panose="020B0604020202020204" pitchFamily="34" charset="0"/>
-                  </a:rPr>
-                  <a:t>Comment 1: I get a null while using this code. Seems to only work if your Jar is an executable (Nov 2016)</a:t>
-                </a:r>
-              </a:p>
-            </p:txBody>
-          </p:sp>
-          <p:sp>
-            <p:nvSpPr>
-              <p:cNvPr id="22" name="TextBox 21">
-                <a:extLst>
-                  <a:ext uri="{FF2B5EF4-FFF2-40B4-BE49-F238E27FC236}">
-                    <a16:creationId xmlns:a16="http://schemas.microsoft.com/office/drawing/2014/main" id="{C14A8CC0-9DCD-AAE8-AFA8-47475B774A64}"/>
-                  </a:ext>
-                </a:extLst>
-              </p:cNvPr>
-              <p:cNvSpPr txBox="1"/>
-              <p:nvPr/>
-            </p:nvSpPr>
-            <p:spPr>
-              <a:xfrm>
-                <a:off x="3838469" y="3286191"/>
-                <a:ext cx="5556739" cy="343867"/>
-              </a:xfrm>
-              <a:prstGeom prst="rect">
-                <a:avLst/>
-              </a:prstGeom>
-              <a:noFill/>
-            </p:spPr>
-            <p:txBody>
-              <a:bodyPr wrap="square" lIns="0" tIns="0" rIns="0" bIns="0" rtlCol="0">
-                <a:spAutoFit/>
-              </a:bodyPr>
-              <a:lstStyle/>
-              <a:p>
-                <a:pPr>
-                  <a:lnSpc>
-                    <a:spcPct val="114000"/>
-                  </a:lnSpc>
-                </a:pPr>
-                <a:r>
-                  <a:rPr lang="en-US" sz="1000" dirty="0">
-                    <a:latin typeface="Arial" panose="020B0604020202020204" pitchFamily="34" charset="0"/>
-                    <a:cs typeface="Arial" panose="020B0604020202020204" pitchFamily="34" charset="0"/>
-                  </a:rPr>
-                  <a:t>Comment 2: If you obtained the package name from </a:t>
-                </a:r>
-                <a:r>
-                  <a:rPr lang="en-US" sz="1000" dirty="0">
-                    <a:highlight>
-                      <a:srgbClr val="C0C0C0"/>
-                    </a:highlight>
-                    <a:latin typeface="Arial" panose="020B0604020202020204" pitchFamily="34" charset="0"/>
-                    <a:cs typeface="Arial" panose="020B0604020202020204" pitchFamily="34" charset="0"/>
-                  </a:rPr>
-                  <a:t>String pack = </a:t>
-                </a:r>
-                <a:r>
-                  <a:rPr lang="en-US" sz="1000" dirty="0" err="1">
-                    <a:highlight>
-                      <a:srgbClr val="C0C0C0"/>
-                    </a:highlight>
-                    <a:latin typeface="Arial" panose="020B0604020202020204" pitchFamily="34" charset="0"/>
-                    <a:cs typeface="Arial" panose="020B0604020202020204" pitchFamily="34" charset="0"/>
-                  </a:rPr>
-                  <a:t>getPackage</a:t>
-                </a:r>
-                <a:r>
-                  <a:rPr lang="en-US" sz="1000" dirty="0">
-                    <a:highlight>
-                      <a:srgbClr val="C0C0C0"/>
-                    </a:highlight>
-                    <a:latin typeface="Arial" panose="020B0604020202020204" pitchFamily="34" charset="0"/>
-                    <a:cs typeface="Arial" panose="020B0604020202020204" pitchFamily="34" charset="0"/>
-                  </a:rPr>
-                  <a:t>().</a:t>
-                </a:r>
-                <a:r>
-                  <a:rPr lang="en-US" sz="1000" dirty="0" err="1">
-                    <a:highlight>
-                      <a:srgbClr val="C0C0C0"/>
-                    </a:highlight>
-                    <a:latin typeface="Arial" panose="020B0604020202020204" pitchFamily="34" charset="0"/>
-                    <a:cs typeface="Arial" panose="020B0604020202020204" pitchFamily="34" charset="0"/>
-                  </a:rPr>
-                  <a:t>getName</a:t>
-                </a:r>
-                <a:r>
-                  <a:rPr lang="en-US" sz="1000" dirty="0">
-                    <a:latin typeface="Arial" panose="020B0604020202020204" pitchFamily="34" charset="0"/>
-                    <a:cs typeface="Arial" panose="020B0604020202020204" pitchFamily="34" charset="0"/>
-                  </a:rPr>
-                  <a:t>;,</a:t>
-                </a:r>
-              </a:p>
-              <a:p>
-                <a:pPr>
-                  <a:lnSpc>
-                    <a:spcPct val="114000"/>
-                  </a:lnSpc>
-                </a:pPr>
-                <a:r>
-                  <a:rPr lang="en-US" sz="1000" dirty="0">
-                    <a:latin typeface="Arial" panose="020B0604020202020204" pitchFamily="34" charset="0"/>
-                    <a:cs typeface="Arial" panose="020B0604020202020204" pitchFamily="34" charset="0"/>
-                  </a:rPr>
-                  <a:t>Then you have to </a:t>
-                </a:r>
-                <a:r>
-                  <a:rPr lang="en-US" sz="1000" dirty="0">
-                    <a:highlight>
-                      <a:srgbClr val="C0C0C0"/>
-                    </a:highlight>
-                    <a:latin typeface="Arial" panose="020B0604020202020204" pitchFamily="34" charset="0"/>
-                    <a:cs typeface="Arial" panose="020B0604020202020204" pitchFamily="34" charset="0"/>
-                  </a:rPr>
-                  <a:t>add pack = </a:t>
-                </a:r>
-                <a:r>
-                  <a:rPr lang="en-US" sz="1000" dirty="0" err="1">
-                    <a:highlight>
-                      <a:srgbClr val="C0C0C0"/>
-                    </a:highlight>
-                    <a:latin typeface="Arial" panose="020B0604020202020204" pitchFamily="34" charset="0"/>
-                    <a:cs typeface="Arial" panose="020B0604020202020204" pitchFamily="34" charset="0"/>
-                  </a:rPr>
-                  <a:t>pack.replaceAll</a:t>
-                </a:r>
-                <a:r>
-                  <a:rPr lang="en-US" sz="1000" dirty="0">
-                    <a:highlight>
-                      <a:srgbClr val="C0C0C0"/>
-                    </a:highlight>
-                    <a:latin typeface="Arial" panose="020B0604020202020204" pitchFamily="34" charset="0"/>
-                    <a:cs typeface="Arial" panose="020B0604020202020204" pitchFamily="34" charset="0"/>
-                  </a:rPr>
-                  <a:t>(“[.]”,”/”); </a:t>
-                </a:r>
-                <a:r>
-                  <a:rPr lang="en-US" sz="1000" dirty="0">
-                    <a:latin typeface="Arial" panose="020B0604020202020204" pitchFamily="34" charset="0"/>
-                    <a:cs typeface="Arial" panose="020B0604020202020204" pitchFamily="34" charset="0"/>
-                  </a:rPr>
-                  <a:t>(May,2019)</a:t>
-                </a:r>
-              </a:p>
-            </p:txBody>
-          </p:sp>
-          <p:pic>
-            <p:nvPicPr>
-              <p:cNvPr id="24" name="Picture 23">
-                <a:extLst>
-                  <a:ext uri="{FF2B5EF4-FFF2-40B4-BE49-F238E27FC236}">
-                    <a16:creationId xmlns:a16="http://schemas.microsoft.com/office/drawing/2014/main" id="{F2F1FA37-C0F6-A980-9E2C-592B3D181F6B}"/>
-                  </a:ext>
-                </a:extLst>
-              </p:cNvPr>
-              <p:cNvPicPr>
-                <a:picLocks noChangeAspect="1"/>
-              </p:cNvPicPr>
-              <p:nvPr/>
-            </p:nvPicPr>
-            <p:blipFill>
-              <a:blip r:embed="rId7"/>
-              <a:stretch>
-                <a:fillRect/>
-              </a:stretch>
-            </p:blipFill>
-            <p:spPr>
-              <a:xfrm>
-                <a:off x="3362151" y="1072200"/>
-                <a:ext cx="354850" cy="1169259"/>
-              </a:xfrm>
-              <a:prstGeom prst="rect">
-                <a:avLst/>
-              </a:prstGeom>
-            </p:spPr>
-          </p:pic>
-        </p:grpSp>
-        <p:sp>
-          <p:nvSpPr>
-            <p:cNvPr id="26" name="Rounded Rectangle 25">
-              <a:extLst>
-                <a:ext uri="{FF2B5EF4-FFF2-40B4-BE49-F238E27FC236}">
-                  <a16:creationId xmlns:a16="http://schemas.microsoft.com/office/drawing/2014/main" id="{01D40267-B571-C60F-1E37-29F640CEA466}"/>
-                </a:ext>
-              </a:extLst>
-            </p:cNvPr>
-            <p:cNvSpPr/>
-            <p:nvPr/>
-          </p:nvSpPr>
-          <p:spPr>
-            <a:xfrm>
-              <a:off x="4016847" y="1939362"/>
-              <a:ext cx="442128" cy="162333"/>
-            </a:xfrm>
-            <a:prstGeom prst="roundRect">
-              <a:avLst/>
-            </a:prstGeom>
-            <a:solidFill>
-              <a:schemeClr val="bg1">
-                <a:lumMod val="65000"/>
-              </a:schemeClr>
-            </a:solidFill>
-            <a:ln>
-              <a:noFill/>
-            </a:ln>
-            <a:effectLst>
-              <a:outerShdw blurRad="50800" sx="1000" sy="1000" algn="ctr" rotWithShape="0">
-                <a:srgbClr val="000000"/>
-              </a:outerShdw>
-            </a:effectLst>
-          </p:spPr>
-          <p:style>
-            <a:lnRef idx="2">
-              <a:schemeClr val="accent1">
-                <a:shade val="50000"/>
-              </a:schemeClr>
-            </a:lnRef>
-            <a:fillRef idx="1">
-              <a:schemeClr val="accent1"/>
-            </a:fillRef>
-            <a:effectRef idx="0">
-              <a:schemeClr val="accent1"/>
-            </a:effectRef>
-            <a:fontRef idx="minor">
-              <a:schemeClr val="lt1"/>
-            </a:fontRef>
-          </p:style>
-          <p:txBody>
-            <a:bodyPr rot="0" spcFirstLastPara="0" vertOverflow="overflow" horzOverflow="overflow" vert="horz" wrap="square" lIns="91440" tIns="45720" rIns="91440" bIns="45720" numCol="1" spcCol="0" rtlCol="0" fromWordArt="0" anchor="ctr" anchorCtr="0" forceAA="0" compatLnSpc="1">
-              <a:prstTxWarp prst="textNoShape">
-                <a:avLst/>
-              </a:prstTxWarp>
-              <a:noAutofit/>
-            </a:bodyPr>
-            <a:lstStyle/>
-            <a:p>
-              <a:pPr algn="ctr">
-                <a:lnSpc>
-                  <a:spcPct val="114000"/>
-                </a:lnSpc>
-              </a:pPr>
-              <a:r>
-                <a:rPr lang="en-US" sz="700" dirty="0">
-                  <a:solidFill>
-                    <a:schemeClr val="tx1"/>
-                  </a:solidFill>
-                </a:rPr>
-                <a:t>2014</a:t>
-              </a:r>
-            </a:p>
-          </p:txBody>
-        </p:sp>
-        <p:sp>
-          <p:nvSpPr>
-            <p:cNvPr id="27" name="Rounded Rectangle 26">
-              <a:extLst>
-                <a:ext uri="{FF2B5EF4-FFF2-40B4-BE49-F238E27FC236}">
-                  <a16:creationId xmlns:a16="http://schemas.microsoft.com/office/drawing/2014/main" id="{94797CA5-97B9-704B-E9AB-2477B87C24AC}"/>
-                </a:ext>
-              </a:extLst>
-            </p:cNvPr>
-            <p:cNvSpPr/>
-            <p:nvPr/>
-          </p:nvSpPr>
-          <p:spPr>
-            <a:xfrm>
-              <a:off x="4563302" y="1931526"/>
-              <a:ext cx="442128" cy="162333"/>
-            </a:xfrm>
-            <a:prstGeom prst="roundRect">
-              <a:avLst/>
-            </a:prstGeom>
-            <a:solidFill>
-              <a:schemeClr val="bg1">
-                <a:lumMod val="65000"/>
-              </a:schemeClr>
-            </a:solidFill>
-            <a:ln>
-              <a:noFill/>
-            </a:ln>
-            <a:effectLst>
-              <a:outerShdw blurRad="50800" sx="1000" sy="1000" algn="ctr" rotWithShape="0">
-                <a:srgbClr val="000000"/>
-              </a:outerShdw>
-            </a:effectLst>
-          </p:spPr>
-          <p:style>
-            <a:lnRef idx="2">
-              <a:schemeClr val="accent1">
-                <a:shade val="50000"/>
-              </a:schemeClr>
-            </a:lnRef>
-            <a:fillRef idx="1">
-              <a:schemeClr val="accent1"/>
-            </a:fillRef>
-            <a:effectRef idx="0">
-              <a:schemeClr val="accent1"/>
-            </a:effectRef>
-            <a:fontRef idx="minor">
-              <a:schemeClr val="lt1"/>
-            </a:fontRef>
-          </p:style>
-          <p:txBody>
-            <a:bodyPr rot="0" spcFirstLastPara="0" vertOverflow="overflow" horzOverflow="overflow" vert="horz" wrap="square" lIns="91440" tIns="45720" rIns="91440" bIns="45720" numCol="1" spcCol="0" rtlCol="0" fromWordArt="0" anchor="ctr" anchorCtr="0" forceAA="0" compatLnSpc="1">
-              <a:prstTxWarp prst="textNoShape">
-                <a:avLst/>
-              </a:prstTxWarp>
-              <a:noAutofit/>
-            </a:bodyPr>
-            <a:lstStyle/>
-            <a:p>
-              <a:pPr algn="ctr">
-                <a:lnSpc>
-                  <a:spcPct val="114000"/>
-                </a:lnSpc>
-              </a:pPr>
-              <a:r>
-                <a:rPr lang="en-US" sz="700" dirty="0">
-                  <a:solidFill>
-                    <a:schemeClr val="tx1"/>
-                  </a:solidFill>
-                </a:rPr>
-                <a:t>540K</a:t>
-              </a:r>
-            </a:p>
-          </p:txBody>
-        </p:sp>
-      </p:grpSp>
-      <p:sp>
-        <p:nvSpPr>
-          <p:cNvPr id="29" name="TextBox 28">
-            <a:extLst>
-              <a:ext uri="{FF2B5EF4-FFF2-40B4-BE49-F238E27FC236}">
-                <a16:creationId xmlns:a16="http://schemas.microsoft.com/office/drawing/2014/main" id="{451613CC-B5C6-FEC0-7C31-5CD90775D0C2}"/>
-              </a:ext>
-            </a:extLst>
-          </p:cNvPr>
-          <p:cNvSpPr txBox="1"/>
-          <p:nvPr/>
-        </p:nvSpPr>
-        <p:spPr>
-          <a:xfrm>
-            <a:off x="6155408" y="3933604"/>
-            <a:ext cx="2988592" cy="738664"/>
-          </a:xfrm>
-          <a:prstGeom prst="rect">
-            <a:avLst/>
-          </a:prstGeom>
-          <a:noFill/>
-        </p:spPr>
-        <p:txBody>
-          <a:bodyPr wrap="square">
-            <a:spAutoFit/>
-          </a:bodyPr>
-          <a:lstStyle/>
-          <a:p>
-            <a:r>
-              <a:rPr lang="en-US" sz="1400" dirty="0">
-                <a:latin typeface="Arial" panose="020B0604020202020204" pitchFamily="34" charset="0"/>
-                <a:cs typeface="Arial" panose="020B0604020202020204" pitchFamily="34" charset="0"/>
-              </a:rPr>
-              <a:t>Example here:</a:t>
-            </a:r>
-          </a:p>
-          <a:p>
-            <a:r>
-              <a:rPr lang="en-US" sz="1400" dirty="0">
-                <a:solidFill>
-                  <a:srgbClr val="141413"/>
-                </a:solidFill>
-                <a:effectLst/>
-                <a:latin typeface="Arial" panose="020B0604020202020204" pitchFamily="34" charset="0"/>
-                <a:cs typeface="Arial" panose="020B0604020202020204" pitchFamily="34" charset="0"/>
-              </a:rPr>
-              <a:t>(comment 1 &amp; 2) were overlooked </a:t>
-            </a:r>
-            <a:r>
-              <a:rPr lang="en-US" sz="1400" dirty="0">
-                <a:solidFill>
-                  <a:srgbClr val="141413"/>
-                </a:solidFill>
-                <a:latin typeface="Arial" panose="020B0604020202020204" pitchFamily="34" charset="0"/>
-                <a:cs typeface="Arial" panose="020B0604020202020204" pitchFamily="34" charset="0"/>
-              </a:rPr>
-              <a:t>and </a:t>
-            </a:r>
-            <a:r>
-              <a:rPr lang="en-US" sz="1400" b="1" dirty="0">
-                <a:solidFill>
-                  <a:srgbClr val="141413"/>
-                </a:solidFill>
-                <a:highlight>
-                  <a:srgbClr val="98C6EA"/>
-                </a:highlight>
-                <a:latin typeface="Arial" panose="020B0604020202020204" pitchFamily="34" charset="0"/>
-                <a:cs typeface="Arial" panose="020B0604020202020204" pitchFamily="34" charset="0"/>
-              </a:rPr>
-              <a:t>never integrated.</a:t>
-            </a:r>
-            <a:endParaRPr lang="en-US" sz="1400" b="1" dirty="0">
-              <a:solidFill>
-                <a:srgbClr val="141413"/>
-              </a:solidFill>
-              <a:effectLst/>
-              <a:highlight>
-                <a:srgbClr val="98C6EA"/>
-              </a:highlight>
-              <a:latin typeface="Arial" panose="020B0604020202020204" pitchFamily="34" charset="0"/>
-              <a:cs typeface="Arial" panose="020B0604020202020204" pitchFamily="34" charset="0"/>
-            </a:endParaRPr>
           </a:p>
         </p:txBody>
       </p:sp>
@@ -36023,7 +35370,7 @@
                 </a:solidFill>
               </a:rPr>
               <a:pPr/>
-              <a:t>7/15/25</a:t>
+              <a:t>12/7/25</a:t>
             </a:fld>
             <a:endParaRPr lang="en-US" sz="1000" dirty="0">
               <a:solidFill>
@@ -36037,10 +35384,10 @@
       </p:sp>
       <p:sp>
         <p:nvSpPr>
-          <p:cNvPr id="40" name="Footer Placeholder 4">
+          <p:cNvPr id="2" name="Footer Placeholder 4">
             <a:extLst>
               <a:ext uri="{FF2B5EF4-FFF2-40B4-BE49-F238E27FC236}">
-                <a16:creationId xmlns:a16="http://schemas.microsoft.com/office/drawing/2014/main" id="{CC875DB5-1071-1CA0-5E19-DCFBA4619546}"/>
+                <a16:creationId xmlns:a16="http://schemas.microsoft.com/office/drawing/2014/main" id="{508CA0DE-E7E4-47E1-71BD-B489EAC12D18}"/>
               </a:ext>
             </a:extLst>
           </p:cNvPr>
@@ -36051,7 +35398,7 @@
         </p:nvSpPr>
         <p:spPr>
           <a:xfrm>
-            <a:off x="2394860" y="4922595"/>
+            <a:off x="2394860" y="4787044"/>
             <a:ext cx="4482901" cy="360210"/>
           </a:xfrm>
           <a:prstGeom prst="rect">
@@ -36187,7 +35534,7 @@
           </a:lstStyle>
           <a:p>
             <a:pPr algn="ctr"/>
-            <a:r>
+            <a:br>
               <a:rPr lang="en-US" sz="1000" dirty="0">
                 <a:solidFill>
                   <a:schemeClr val="bg1">
@@ -36195,7 +35542,16 @@
                   </a:schemeClr>
                 </a:solidFill>
               </a:rPr>
-              <a:t>Seminar AI Empowered Automated Software Engineering </a:t>
+            </a:br>
+            <a:r>
+              <a:rPr lang="en-US" sz="1000" dirty="0">
+                <a:solidFill>
+                  <a:schemeClr val="bg1">
+                    <a:lumMod val="85000"/>
+                  </a:schemeClr>
+                </a:solidFill>
+              </a:rPr>
+              <a:t>Algorithmic Decision Making: Metaheuristics and Decomposition in Practice</a:t>
             </a:r>
           </a:p>
         </p:txBody>
@@ -36239,7 +35595,11 @@
                                           </p:stCondLst>
                                         </p:cTn>
                                         <p:tgtEl>
-                                          <p:spTgt spid="30"/>
+                                          <p:spTgt spid="6">
+                                            <p:txEl>
+                                              <p:pRg st="1" end="1"/>
+                                            </p:txEl>
+                                          </p:spTgt>
                                         </p:tgtEl>
                                         <p:attrNameLst>
                                           <p:attrName>style.visibility</p:attrName>
@@ -36252,26 +35612,39 @@
                                   </p:childTnLst>
                                 </p:cTn>
                               </p:par>
-                            </p:childTnLst>
-                          </p:cTn>
-                        </p:par>
-                      </p:childTnLst>
-                    </p:cTn>
-                  </p:par>
-                  <p:par>
-                    <p:cTn id="7" fill="hold">
-                      <p:stCondLst>
-                        <p:cond delay="indefinite"/>
-                      </p:stCondLst>
-                      <p:childTnLst>
-                        <p:par>
-                          <p:cTn id="8" fill="hold">
-                            <p:stCondLst>
-                              <p:cond delay="0"/>
-                            </p:stCondLst>
-                            <p:childTnLst>
                               <p:par>
-                                <p:cTn id="9" presetID="1" presetClass="entr" presetSubtype="0" fill="hold" nodeType="clickEffect">
+                                <p:cTn id="7" presetID="1" presetClass="entr" presetSubtype="0" fill="hold" nodeType="withEffect">
+                                  <p:stCondLst>
+                                    <p:cond delay="0"/>
+                                  </p:stCondLst>
+                                  <p:childTnLst>
+                                    <p:set>
+                                      <p:cBhvr>
+                                        <p:cTn id="8" dur="1" fill="hold">
+                                          <p:stCondLst>
+                                            <p:cond delay="0"/>
+                                          </p:stCondLst>
+                                        </p:cTn>
+                                        <p:tgtEl>
+                                          <p:spTgt spid="6">
+                                            <p:txEl>
+                                              <p:pRg st="2" end="2"/>
+                                            </p:txEl>
+                                          </p:spTgt>
+                                        </p:tgtEl>
+                                        <p:attrNameLst>
+                                          <p:attrName>style.visibility</p:attrName>
+                                        </p:attrNameLst>
+                                      </p:cBhvr>
+                                      <p:to>
+                                        <p:strVal val="visible"/>
+                                      </p:to>
+                                    </p:set>
+                                  </p:childTnLst>
+                                </p:cTn>
+                              </p:par>
+                              <p:par>
+                                <p:cTn id="9" presetID="1" presetClass="entr" presetSubtype="0" fill="hold" nodeType="withEffect">
                                   <p:stCondLst>
                                     <p:cond delay="0"/>
                                   </p:stCondLst>
@@ -36286,7 +35659,7 @@
                                         <p:tgtEl>
                                           <p:spTgt spid="6">
                                             <p:txEl>
-                                              <p:pRg st="1" end="1"/>
+                                              <p:pRg st="3" end="3"/>
                                             </p:txEl>
                                           </p:spTgt>
                                         </p:tgtEl>
@@ -36317,116 +35690,9 @@
                                         <p:tgtEl>
                                           <p:spTgt spid="6">
                                             <p:txEl>
-                                              <p:pRg st="2" end="2"/>
-                                            </p:txEl>
-                                          </p:spTgt>
-                                        </p:tgtEl>
-                                        <p:attrNameLst>
-                                          <p:attrName>style.visibility</p:attrName>
-                                        </p:attrNameLst>
-                                      </p:cBhvr>
-                                      <p:to>
-                                        <p:strVal val="visible"/>
-                                      </p:to>
-                                    </p:set>
-                                  </p:childTnLst>
-                                </p:cTn>
-                              </p:par>
-                              <p:par>
-                                <p:cTn id="13" presetID="1" presetClass="entr" presetSubtype="0" fill="hold" nodeType="withEffect">
-                                  <p:stCondLst>
-                                    <p:cond delay="0"/>
-                                  </p:stCondLst>
-                                  <p:childTnLst>
-                                    <p:set>
-                                      <p:cBhvr>
-                                        <p:cTn id="14" dur="1" fill="hold">
-                                          <p:stCondLst>
-                                            <p:cond delay="0"/>
-                                          </p:stCondLst>
-                                        </p:cTn>
-                                        <p:tgtEl>
-                                          <p:spTgt spid="6">
-                                            <p:txEl>
-                                              <p:pRg st="3" end="3"/>
-                                            </p:txEl>
-                                          </p:spTgt>
-                                        </p:tgtEl>
-                                        <p:attrNameLst>
-                                          <p:attrName>style.visibility</p:attrName>
-                                        </p:attrNameLst>
-                                      </p:cBhvr>
-                                      <p:to>
-                                        <p:strVal val="visible"/>
-                                      </p:to>
-                                    </p:set>
-                                  </p:childTnLst>
-                                </p:cTn>
-                              </p:par>
-                              <p:par>
-                                <p:cTn id="15" presetID="1" presetClass="entr" presetSubtype="0" fill="hold" nodeType="withEffect">
-                                  <p:stCondLst>
-                                    <p:cond delay="0"/>
-                                  </p:stCondLst>
-                                  <p:childTnLst>
-                                    <p:set>
-                                      <p:cBhvr>
-                                        <p:cTn id="16" dur="1" fill="hold">
-                                          <p:stCondLst>
-                                            <p:cond delay="0"/>
-                                          </p:stCondLst>
-                                        </p:cTn>
-                                        <p:tgtEl>
-                                          <p:spTgt spid="6">
-                                            <p:txEl>
                                               <p:pRg st="4" end="4"/>
                                             </p:txEl>
                                           </p:spTgt>
-                                        </p:tgtEl>
-                                        <p:attrNameLst>
-                                          <p:attrName>style.visibility</p:attrName>
-                                        </p:attrNameLst>
-                                      </p:cBhvr>
-                                      <p:to>
-                                        <p:strVal val="visible"/>
-                                      </p:to>
-                                    </p:set>
-                                  </p:childTnLst>
-                                </p:cTn>
-                              </p:par>
-                            </p:childTnLst>
-                          </p:cTn>
-                        </p:par>
-                      </p:childTnLst>
-                    </p:cTn>
-                  </p:par>
-                  <p:par>
-                    <p:cTn id="17" fill="hold">
-                      <p:stCondLst>
-                        <p:cond delay="indefinite"/>
-                      </p:stCondLst>
-                      <p:childTnLst>
-                        <p:par>
-                          <p:cTn id="18" fill="hold">
-                            <p:stCondLst>
-                              <p:cond delay="0"/>
-                            </p:stCondLst>
-                            <p:childTnLst>
-                              <p:par>
-                                <p:cTn id="19" presetID="1" presetClass="entr" presetSubtype="0" fill="hold" grpId="0" nodeType="clickEffect">
-                                  <p:stCondLst>
-                                    <p:cond delay="0"/>
-                                  </p:stCondLst>
-                                  <p:childTnLst>
-                                    <p:set>
-                                      <p:cBhvr>
-                                        <p:cTn id="20" dur="1" fill="hold">
-                                          <p:stCondLst>
-                                            <p:cond delay="0"/>
-                                          </p:stCondLst>
-                                        </p:cTn>
-                                        <p:tgtEl>
-                                          <p:spTgt spid="29"/>
                                         </p:tgtEl>
                                         <p:attrNameLst>
                                           <p:attrName>style.visibility</p:attrName>
@@ -36466,9 +35732,6 @@
         </p:cTn>
       </p:par>
     </p:tnLst>
-    <p:bldLst>
-      <p:bldP spid="29" grpId="0"/>
-    </p:bldLst>
   </p:timing>
 </p:sld>
 </file>
@@ -37775,7 +37038,7 @@
                 </a:solidFill>
               </a:rPr>
               <a:pPr/>
-              <a:t>7/15/25</a:t>
+              <a:t>12/7/25</a:t>
             </a:fld>
             <a:endParaRPr lang="en-US" sz="1000" dirty="0">
               <a:solidFill>
@@ -37789,10 +37052,10 @@
       </p:sp>
       <p:sp>
         <p:nvSpPr>
-          <p:cNvPr id="48" name="Footer Placeholder 4">
+          <p:cNvPr id="2" name="Footer Placeholder 4">
             <a:extLst>
               <a:ext uri="{FF2B5EF4-FFF2-40B4-BE49-F238E27FC236}">
-                <a16:creationId xmlns:a16="http://schemas.microsoft.com/office/drawing/2014/main" id="{17240344-4104-CF71-A4F3-398E4C26ECE5}"/>
+                <a16:creationId xmlns:a16="http://schemas.microsoft.com/office/drawing/2014/main" id="{2B7CCB77-1A3B-AE79-965C-913DFB3D3D6B}"/>
               </a:ext>
             </a:extLst>
           </p:cNvPr>
@@ -37803,7 +37066,7 @@
         </p:nvSpPr>
         <p:spPr>
           <a:xfrm>
-            <a:off x="2394860" y="4922595"/>
+            <a:off x="2394860" y="4787044"/>
             <a:ext cx="4482901" cy="360210"/>
           </a:xfrm>
           <a:prstGeom prst="rect">
@@ -37939,7 +37202,7 @@
           </a:lstStyle>
           <a:p>
             <a:pPr algn="ctr"/>
-            <a:r>
+            <a:br>
               <a:rPr lang="en-US" sz="1000" dirty="0">
                 <a:solidFill>
                   <a:schemeClr val="bg1">
@@ -37947,7 +37210,16 @@
                   </a:schemeClr>
                 </a:solidFill>
               </a:rPr>
-              <a:t>Seminar AI Empowered Automated Software Engineering </a:t>
+            </a:br>
+            <a:r>
+              <a:rPr lang="en-US" sz="1000" dirty="0">
+                <a:solidFill>
+                  <a:schemeClr val="bg1">
+                    <a:lumMod val="85000"/>
+                  </a:schemeClr>
+                </a:solidFill>
+              </a:rPr>
+              <a:t>Algorithmic Decision Making: Metaheuristics and Decomposition in Practice</a:t>
             </a:r>
           </a:p>
         </p:txBody>
@@ -39335,7 +38607,7 @@
                 </a:solidFill>
               </a:rPr>
               <a:pPr/>
-              <a:t>7/15/25</a:t>
+              <a:t>12/7/25</a:t>
             </a:fld>
             <a:endParaRPr lang="en-US" sz="1000" dirty="0">
               <a:solidFill>
@@ -39349,10 +38621,10 @@
       </p:sp>
       <p:sp>
         <p:nvSpPr>
-          <p:cNvPr id="36" name="Footer Placeholder 4">
+          <p:cNvPr id="2" name="Footer Placeholder 4">
             <a:extLst>
               <a:ext uri="{FF2B5EF4-FFF2-40B4-BE49-F238E27FC236}">
-                <a16:creationId xmlns:a16="http://schemas.microsoft.com/office/drawing/2014/main" id="{CDE0A52F-A9E7-09D1-35A3-8E3000C39849}"/>
+                <a16:creationId xmlns:a16="http://schemas.microsoft.com/office/drawing/2014/main" id="{9C126567-BD47-8D91-1233-BAB9D95E55F8}"/>
               </a:ext>
             </a:extLst>
           </p:cNvPr>
@@ -39363,7 +38635,7 @@
         </p:nvSpPr>
         <p:spPr>
           <a:xfrm>
-            <a:off x="2394860" y="4922595"/>
+            <a:off x="2394860" y="4787044"/>
             <a:ext cx="4482901" cy="360210"/>
           </a:xfrm>
           <a:prstGeom prst="rect">
@@ -39499,7 +38771,7 @@
           </a:lstStyle>
           <a:p>
             <a:pPr algn="ctr"/>
-            <a:r>
+            <a:br>
               <a:rPr lang="en-US" sz="1000" dirty="0">
                 <a:solidFill>
                   <a:schemeClr val="bg1">
@@ -39507,7 +38779,16 @@
                   </a:schemeClr>
                 </a:solidFill>
               </a:rPr>
-              <a:t>Seminar AI Empowered Automated Software Engineering </a:t>
+            </a:br>
+            <a:r>
+              <a:rPr lang="en-US" sz="1000" dirty="0">
+                <a:solidFill>
+                  <a:schemeClr val="bg1">
+                    <a:lumMod val="85000"/>
+                  </a:schemeClr>
+                </a:solidFill>
+              </a:rPr>
+              <a:t>Algorithmic Decision Making: Metaheuristics and Decomposition in Practice</a:t>
             </a:r>
           </a:p>
         </p:txBody>
@@ -40983,7 +40264,7 @@
                 </a:solidFill>
               </a:rPr>
               <a:pPr/>
-              <a:t>7/15/25</a:t>
+              <a:t>12/7/25</a:t>
             </a:fld>
             <a:endParaRPr lang="en-US" sz="1000" dirty="0">
               <a:solidFill>
@@ -40992,171 +40273,6 @@
                 </a:schemeClr>
               </a:solidFill>
             </a:endParaRPr>
-          </a:p>
-        </p:txBody>
-      </p:sp>
-      <p:sp>
-        <p:nvSpPr>
-          <p:cNvPr id="42" name="Footer Placeholder 4">
-            <a:extLst>
-              <a:ext uri="{FF2B5EF4-FFF2-40B4-BE49-F238E27FC236}">
-                <a16:creationId xmlns:a16="http://schemas.microsoft.com/office/drawing/2014/main" id="{E4B945D0-CCD2-73FB-67A4-7E47BBCE5932}"/>
-              </a:ext>
-            </a:extLst>
-          </p:cNvPr>
-          <p:cNvSpPr txBox="1">
-            <a:spLocks/>
-          </p:cNvSpPr>
-          <p:nvPr/>
-        </p:nvSpPr>
-        <p:spPr>
-          <a:xfrm>
-            <a:off x="2394860" y="4922595"/>
-            <a:ext cx="4482901" cy="360210"/>
-          </a:xfrm>
-          <a:prstGeom prst="rect">
-            <a:avLst/>
-          </a:prstGeom>
-        </p:spPr>
-        <p:txBody>
-          <a:bodyPr/>
-          <a:lstStyle>
-            <a:defPPr>
-              <a:defRPr lang="de-DE"/>
-            </a:defPPr>
-            <a:lvl1pPr algn="l" rtl="0" fontAlgn="base">
-              <a:spcBef>
-                <a:spcPct val="0"/>
-              </a:spcBef>
-              <a:spcAft>
-                <a:spcPct val="0"/>
-              </a:spcAft>
-              <a:defRPr kern="1200">
-                <a:solidFill>
-                  <a:schemeClr val="tx1"/>
-                </a:solidFill>
-                <a:latin typeface="Arial" charset="0"/>
-                <a:ea typeface="+mn-ea"/>
-                <a:cs typeface="Arial" charset="0"/>
-              </a:defRPr>
-            </a:lvl1pPr>
-            <a:lvl2pPr marL="457200" algn="l" rtl="0" fontAlgn="base">
-              <a:spcBef>
-                <a:spcPct val="0"/>
-              </a:spcBef>
-              <a:spcAft>
-                <a:spcPct val="0"/>
-              </a:spcAft>
-              <a:defRPr kern="1200">
-                <a:solidFill>
-                  <a:schemeClr val="tx1"/>
-                </a:solidFill>
-                <a:latin typeface="Arial" charset="0"/>
-                <a:ea typeface="+mn-ea"/>
-                <a:cs typeface="Arial" charset="0"/>
-              </a:defRPr>
-            </a:lvl2pPr>
-            <a:lvl3pPr marL="914400" algn="l" rtl="0" fontAlgn="base">
-              <a:spcBef>
-                <a:spcPct val="0"/>
-              </a:spcBef>
-              <a:spcAft>
-                <a:spcPct val="0"/>
-              </a:spcAft>
-              <a:defRPr kern="1200">
-                <a:solidFill>
-                  <a:schemeClr val="tx1"/>
-                </a:solidFill>
-                <a:latin typeface="Arial" charset="0"/>
-                <a:ea typeface="+mn-ea"/>
-                <a:cs typeface="Arial" charset="0"/>
-              </a:defRPr>
-            </a:lvl3pPr>
-            <a:lvl4pPr marL="1371600" algn="l" rtl="0" fontAlgn="base">
-              <a:spcBef>
-                <a:spcPct val="0"/>
-              </a:spcBef>
-              <a:spcAft>
-                <a:spcPct val="0"/>
-              </a:spcAft>
-              <a:defRPr kern="1200">
-                <a:solidFill>
-                  <a:schemeClr val="tx1"/>
-                </a:solidFill>
-                <a:latin typeface="Arial" charset="0"/>
-                <a:ea typeface="+mn-ea"/>
-                <a:cs typeface="Arial" charset="0"/>
-              </a:defRPr>
-            </a:lvl4pPr>
-            <a:lvl5pPr marL="1828800" algn="l" rtl="0" fontAlgn="base">
-              <a:spcBef>
-                <a:spcPct val="0"/>
-              </a:spcBef>
-              <a:spcAft>
-                <a:spcPct val="0"/>
-              </a:spcAft>
-              <a:defRPr kern="1200">
-                <a:solidFill>
-                  <a:schemeClr val="tx1"/>
-                </a:solidFill>
-                <a:latin typeface="Arial" charset="0"/>
-                <a:ea typeface="+mn-ea"/>
-                <a:cs typeface="Arial" charset="0"/>
-              </a:defRPr>
-            </a:lvl5pPr>
-            <a:lvl6pPr marL="2286000" algn="l" defTabSz="914400" rtl="0" eaLnBrk="1" latinLnBrk="0" hangingPunct="1">
-              <a:defRPr kern="1200">
-                <a:solidFill>
-                  <a:schemeClr val="tx1"/>
-                </a:solidFill>
-                <a:latin typeface="Arial" charset="0"/>
-                <a:ea typeface="+mn-ea"/>
-                <a:cs typeface="Arial" charset="0"/>
-              </a:defRPr>
-            </a:lvl6pPr>
-            <a:lvl7pPr marL="2743200" algn="l" defTabSz="914400" rtl="0" eaLnBrk="1" latinLnBrk="0" hangingPunct="1">
-              <a:defRPr kern="1200">
-                <a:solidFill>
-                  <a:schemeClr val="tx1"/>
-                </a:solidFill>
-                <a:latin typeface="Arial" charset="0"/>
-                <a:ea typeface="+mn-ea"/>
-                <a:cs typeface="Arial" charset="0"/>
-              </a:defRPr>
-            </a:lvl7pPr>
-            <a:lvl8pPr marL="3200400" algn="l" defTabSz="914400" rtl="0" eaLnBrk="1" latinLnBrk="0" hangingPunct="1">
-              <a:defRPr kern="1200">
-                <a:solidFill>
-                  <a:schemeClr val="tx1"/>
-                </a:solidFill>
-                <a:latin typeface="Arial" charset="0"/>
-                <a:ea typeface="+mn-ea"/>
-                <a:cs typeface="Arial" charset="0"/>
-              </a:defRPr>
-            </a:lvl8pPr>
-            <a:lvl9pPr marL="3657600" algn="l" defTabSz="914400" rtl="0" eaLnBrk="1" latinLnBrk="0" hangingPunct="1">
-              <a:defRPr kern="1200">
-                <a:solidFill>
-                  <a:schemeClr val="tx1"/>
-                </a:solidFill>
-                <a:latin typeface="Arial" charset="0"/>
-                <a:ea typeface="+mn-ea"/>
-                <a:cs typeface="Arial" charset="0"/>
-              </a:defRPr>
-            </a:lvl9pPr>
-          </a:lstStyle>
-          <a:p>
-            <a:pPr algn="ctr"/>
-            <a:r>
-              <a:rPr lang="en-US" sz="1000" dirty="0">
-                <a:solidFill>
-                  <a:schemeClr val="bg1">
-                    <a:lumMod val="85000"/>
-                  </a:schemeClr>
-                </a:solidFill>
-              </a:rPr>
-              <a:t>Seminar AI Empowered Automated Software Engineering </a:t>
-            </a:r>
           </a:p>
         </p:txBody>
       </p:sp>
@@ -41219,6 +40335,180 @@
                 <a:cs typeface="Arial" panose="020B0604020202020204" pitchFamily="34" charset="0"/>
               </a:rPr>
               <a:t>56%</a:t>
+            </a:r>
+          </a:p>
+        </p:txBody>
+      </p:sp>
+      <p:sp>
+        <p:nvSpPr>
+          <p:cNvPr id="2" name="Footer Placeholder 4">
+            <a:extLst>
+              <a:ext uri="{FF2B5EF4-FFF2-40B4-BE49-F238E27FC236}">
+                <a16:creationId xmlns:a16="http://schemas.microsoft.com/office/drawing/2014/main" id="{3C915A36-78DB-7CA3-D98D-5D20774D44C5}"/>
+              </a:ext>
+            </a:extLst>
+          </p:cNvPr>
+          <p:cNvSpPr txBox="1">
+            <a:spLocks/>
+          </p:cNvSpPr>
+          <p:nvPr/>
+        </p:nvSpPr>
+        <p:spPr>
+          <a:xfrm>
+            <a:off x="2394860" y="4787044"/>
+            <a:ext cx="4482901" cy="360210"/>
+          </a:xfrm>
+          <a:prstGeom prst="rect">
+            <a:avLst/>
+          </a:prstGeom>
+        </p:spPr>
+        <p:txBody>
+          <a:bodyPr/>
+          <a:lstStyle>
+            <a:defPPr>
+              <a:defRPr lang="de-DE"/>
+            </a:defPPr>
+            <a:lvl1pPr algn="l" rtl="0" fontAlgn="base">
+              <a:spcBef>
+                <a:spcPct val="0"/>
+              </a:spcBef>
+              <a:spcAft>
+                <a:spcPct val="0"/>
+              </a:spcAft>
+              <a:defRPr kern="1200">
+                <a:solidFill>
+                  <a:schemeClr val="tx1"/>
+                </a:solidFill>
+                <a:latin typeface="Arial" charset="0"/>
+                <a:ea typeface="+mn-ea"/>
+                <a:cs typeface="Arial" charset="0"/>
+              </a:defRPr>
+            </a:lvl1pPr>
+            <a:lvl2pPr marL="457200" algn="l" rtl="0" fontAlgn="base">
+              <a:spcBef>
+                <a:spcPct val="0"/>
+              </a:spcBef>
+              <a:spcAft>
+                <a:spcPct val="0"/>
+              </a:spcAft>
+              <a:defRPr kern="1200">
+                <a:solidFill>
+                  <a:schemeClr val="tx1"/>
+                </a:solidFill>
+                <a:latin typeface="Arial" charset="0"/>
+                <a:ea typeface="+mn-ea"/>
+                <a:cs typeface="Arial" charset="0"/>
+              </a:defRPr>
+            </a:lvl2pPr>
+            <a:lvl3pPr marL="914400" algn="l" rtl="0" fontAlgn="base">
+              <a:spcBef>
+                <a:spcPct val="0"/>
+              </a:spcBef>
+              <a:spcAft>
+                <a:spcPct val="0"/>
+              </a:spcAft>
+              <a:defRPr kern="1200">
+                <a:solidFill>
+                  <a:schemeClr val="tx1"/>
+                </a:solidFill>
+                <a:latin typeface="Arial" charset="0"/>
+                <a:ea typeface="+mn-ea"/>
+                <a:cs typeface="Arial" charset="0"/>
+              </a:defRPr>
+            </a:lvl3pPr>
+            <a:lvl4pPr marL="1371600" algn="l" rtl="0" fontAlgn="base">
+              <a:spcBef>
+                <a:spcPct val="0"/>
+              </a:spcBef>
+              <a:spcAft>
+                <a:spcPct val="0"/>
+              </a:spcAft>
+              <a:defRPr kern="1200">
+                <a:solidFill>
+                  <a:schemeClr val="tx1"/>
+                </a:solidFill>
+                <a:latin typeface="Arial" charset="0"/>
+                <a:ea typeface="+mn-ea"/>
+                <a:cs typeface="Arial" charset="0"/>
+              </a:defRPr>
+            </a:lvl4pPr>
+            <a:lvl5pPr marL="1828800" algn="l" rtl="0" fontAlgn="base">
+              <a:spcBef>
+                <a:spcPct val="0"/>
+              </a:spcBef>
+              <a:spcAft>
+                <a:spcPct val="0"/>
+              </a:spcAft>
+              <a:defRPr kern="1200">
+                <a:solidFill>
+                  <a:schemeClr val="tx1"/>
+                </a:solidFill>
+                <a:latin typeface="Arial" charset="0"/>
+                <a:ea typeface="+mn-ea"/>
+                <a:cs typeface="Arial" charset="0"/>
+              </a:defRPr>
+            </a:lvl5pPr>
+            <a:lvl6pPr marL="2286000" algn="l" defTabSz="914400" rtl="0" eaLnBrk="1" latinLnBrk="0" hangingPunct="1">
+              <a:defRPr kern="1200">
+                <a:solidFill>
+                  <a:schemeClr val="tx1"/>
+                </a:solidFill>
+                <a:latin typeface="Arial" charset="0"/>
+                <a:ea typeface="+mn-ea"/>
+                <a:cs typeface="Arial" charset="0"/>
+              </a:defRPr>
+            </a:lvl6pPr>
+            <a:lvl7pPr marL="2743200" algn="l" defTabSz="914400" rtl="0" eaLnBrk="1" latinLnBrk="0" hangingPunct="1">
+              <a:defRPr kern="1200">
+                <a:solidFill>
+                  <a:schemeClr val="tx1"/>
+                </a:solidFill>
+                <a:latin typeface="Arial" charset="0"/>
+                <a:ea typeface="+mn-ea"/>
+                <a:cs typeface="Arial" charset="0"/>
+              </a:defRPr>
+            </a:lvl7pPr>
+            <a:lvl8pPr marL="3200400" algn="l" defTabSz="914400" rtl="0" eaLnBrk="1" latinLnBrk="0" hangingPunct="1">
+              <a:defRPr kern="1200">
+                <a:solidFill>
+                  <a:schemeClr val="tx1"/>
+                </a:solidFill>
+                <a:latin typeface="Arial" charset="0"/>
+                <a:ea typeface="+mn-ea"/>
+                <a:cs typeface="Arial" charset="0"/>
+              </a:defRPr>
+            </a:lvl8pPr>
+            <a:lvl9pPr marL="3657600" algn="l" defTabSz="914400" rtl="0" eaLnBrk="1" latinLnBrk="0" hangingPunct="1">
+              <a:defRPr kern="1200">
+                <a:solidFill>
+                  <a:schemeClr val="tx1"/>
+                </a:solidFill>
+                <a:latin typeface="Arial" charset="0"/>
+                <a:ea typeface="+mn-ea"/>
+                <a:cs typeface="Arial" charset="0"/>
+              </a:defRPr>
+            </a:lvl9pPr>
+          </a:lstStyle>
+          <a:p>
+            <a:pPr algn="ctr"/>
+            <a:br>
+              <a:rPr lang="en-US" sz="1000" dirty="0">
+                <a:solidFill>
+                  <a:schemeClr val="bg1">
+                    <a:lumMod val="85000"/>
+                  </a:schemeClr>
+                </a:solidFill>
+              </a:rPr>
+            </a:br>
+            <a:r>
+              <a:rPr lang="en-US" sz="1000" dirty="0">
+                <a:solidFill>
+                  <a:schemeClr val="bg1">
+                    <a:lumMod val="85000"/>
+                  </a:schemeClr>
+                </a:solidFill>
+              </a:rPr>
+              <a:t>Algorithmic Decision Making: Metaheuristics and Decomposition in Practice</a:t>
             </a:r>
           </a:p>
         </p:txBody>
@@ -44034,7 +43324,7 @@
                 </a:solidFill>
               </a:rPr>
               <a:pPr/>
-              <a:t>7/15/25</a:t>
+              <a:t>12/7/25</a:t>
             </a:fld>
             <a:endParaRPr lang="en-US" sz="1000" dirty="0">
               <a:solidFill>
@@ -44048,10 +43338,10 @@
       </p:sp>
       <p:sp>
         <p:nvSpPr>
-          <p:cNvPr id="68" name="Footer Placeholder 4">
+          <p:cNvPr id="3" name="Footer Placeholder 4">
             <a:extLst>
               <a:ext uri="{FF2B5EF4-FFF2-40B4-BE49-F238E27FC236}">
-                <a16:creationId xmlns:a16="http://schemas.microsoft.com/office/drawing/2014/main" id="{AED12353-3366-4C76-7C6B-2FD7D24F59E3}"/>
+                <a16:creationId xmlns:a16="http://schemas.microsoft.com/office/drawing/2014/main" id="{6AE1CF96-B10C-026E-23DB-84056D92E478}"/>
               </a:ext>
             </a:extLst>
           </p:cNvPr>
@@ -44062,7 +43352,7 @@
         </p:nvSpPr>
         <p:spPr>
           <a:xfrm>
-            <a:off x="2394860" y="4922595"/>
+            <a:off x="2394860" y="4787044"/>
             <a:ext cx="4482901" cy="360210"/>
           </a:xfrm>
           <a:prstGeom prst="rect">
@@ -44198,7 +43488,7 @@
           </a:lstStyle>
           <a:p>
             <a:pPr algn="ctr"/>
-            <a:r>
+            <a:br>
               <a:rPr lang="en-US" sz="1000" dirty="0">
                 <a:solidFill>
                   <a:schemeClr val="bg1">
@@ -44206,7 +43496,16 @@
                   </a:schemeClr>
                 </a:solidFill>
               </a:rPr>
-              <a:t>Seminar AI Empowered Automated Software Engineering </a:t>
+            </a:br>
+            <a:r>
+              <a:rPr lang="en-US" sz="1000" dirty="0">
+                <a:solidFill>
+                  <a:schemeClr val="bg1">
+                    <a:lumMod val="85000"/>
+                  </a:schemeClr>
+                </a:solidFill>
+              </a:rPr>
+              <a:t>Algorithmic Decision Making: Metaheuristics and Decomposition in Practice</a:t>
             </a:r>
           </a:p>
         </p:txBody>
@@ -46981,7 +46280,7 @@
                 </a:solidFill>
               </a:rPr>
               <a:pPr/>
-              <a:t>7/15/25</a:t>
+              <a:t>12/7/25</a:t>
             </a:fld>
             <a:endParaRPr lang="en-US" sz="1000" dirty="0">
               <a:solidFill>
@@ -46995,10 +46294,10 @@
       </p:sp>
       <p:sp>
         <p:nvSpPr>
-          <p:cNvPr id="212" name="Footer Placeholder 4">
+          <p:cNvPr id="2" name="Footer Placeholder 4">
             <a:extLst>
               <a:ext uri="{FF2B5EF4-FFF2-40B4-BE49-F238E27FC236}">
-                <a16:creationId xmlns:a16="http://schemas.microsoft.com/office/drawing/2014/main" id="{EEF26A4C-6BD9-1A3D-5049-2008CDF23086}"/>
+                <a16:creationId xmlns:a16="http://schemas.microsoft.com/office/drawing/2014/main" id="{CE998EA2-09C5-DF83-FBA4-2C7FCBA027B4}"/>
               </a:ext>
             </a:extLst>
           </p:cNvPr>
@@ -47009,7 +46308,7 @@
         </p:nvSpPr>
         <p:spPr>
           <a:xfrm>
-            <a:off x="2394860" y="4922595"/>
+            <a:off x="2394860" y="4787044"/>
             <a:ext cx="4482901" cy="360210"/>
           </a:xfrm>
           <a:prstGeom prst="rect">
@@ -47145,7 +46444,7 @@
           </a:lstStyle>
           <a:p>
             <a:pPr algn="ctr"/>
-            <a:r>
+            <a:br>
               <a:rPr lang="en-US" sz="1000" dirty="0">
                 <a:solidFill>
                   <a:schemeClr val="bg1">
@@ -47153,7 +46452,16 @@
                   </a:schemeClr>
                 </a:solidFill>
               </a:rPr>
-              <a:t>Seminar AI Empowered Automated Software Engineering </a:t>
+            </a:br>
+            <a:r>
+              <a:rPr lang="en-US" sz="1000" dirty="0">
+                <a:solidFill>
+                  <a:schemeClr val="bg1">
+                    <a:lumMod val="85000"/>
+                  </a:schemeClr>
+                </a:solidFill>
+              </a:rPr>
+              <a:t>Algorithmic Decision Making: Metaheuristics and Decomposition in Practice</a:t>
             </a:r>
           </a:p>
         </p:txBody>
@@ -49828,7 +49136,7 @@
                 </a:solidFill>
               </a:rPr>
               <a:pPr/>
-              <a:t>7/15/25</a:t>
+              <a:t>12/7/25</a:t>
             </a:fld>
             <a:endParaRPr lang="en-US" sz="1000" dirty="0">
               <a:solidFill>
@@ -49842,10 +49150,10 @@
       </p:sp>
       <p:sp>
         <p:nvSpPr>
-          <p:cNvPr id="80" name="Footer Placeholder 4">
+          <p:cNvPr id="2" name="Footer Placeholder 4">
             <a:extLst>
               <a:ext uri="{FF2B5EF4-FFF2-40B4-BE49-F238E27FC236}">
-                <a16:creationId xmlns:a16="http://schemas.microsoft.com/office/drawing/2014/main" id="{7543F072-CDE2-9F86-4A83-C5DC20B33D43}"/>
+                <a16:creationId xmlns:a16="http://schemas.microsoft.com/office/drawing/2014/main" id="{656C4EF1-5F78-93CB-1C36-5CEE2175DDFD}"/>
               </a:ext>
             </a:extLst>
           </p:cNvPr>
@@ -49856,7 +49164,7 @@
         </p:nvSpPr>
         <p:spPr>
           <a:xfrm>
-            <a:off x="2394860" y="4922595"/>
+            <a:off x="2394860" y="4787044"/>
             <a:ext cx="4482901" cy="360210"/>
           </a:xfrm>
           <a:prstGeom prst="rect">
@@ -49992,7 +49300,7 @@
           </a:lstStyle>
           <a:p>
             <a:pPr algn="ctr"/>
-            <a:r>
+            <a:br>
               <a:rPr lang="en-US" sz="1000" dirty="0">
                 <a:solidFill>
                   <a:schemeClr val="bg1">
@@ -50000,7 +49308,16 @@
                   </a:schemeClr>
                 </a:solidFill>
               </a:rPr>
-              <a:t>Seminar AI Empowered Automated Software Engineering </a:t>
+            </a:br>
+            <a:r>
+              <a:rPr lang="en-US" sz="1000" dirty="0">
+                <a:solidFill>
+                  <a:schemeClr val="bg1">
+                    <a:lumMod val="85000"/>
+                  </a:schemeClr>
+                </a:solidFill>
+              </a:rPr>
+              <a:t>Algorithmic Decision Making: Metaheuristics and Decomposition in Practice</a:t>
             </a:r>
           </a:p>
         </p:txBody>
